--- a/Book/תרשים תוכן.pptx
+++ b/Book/תרשים תוכן.pptx
@@ -3551,7 +3551,7 @@
         </p:nvSpPr>
         <p:spPr>
           <a:xfrm>
-            <a:off x="764704" y="2417718"/>
+            <a:off x="782836" y="1851236"/>
             <a:ext cx="1224136" cy="702078"/>
           </a:xfrm>
           <a:prstGeom prst="rect">
@@ -3617,7 +3617,7 @@
         </p:nvSpPr>
         <p:spPr>
           <a:xfrm>
-            <a:off x="793732" y="4601961"/>
+            <a:off x="793732" y="3621946"/>
             <a:ext cx="1224136" cy="702078"/>
           </a:xfrm>
           <a:prstGeom prst="rect">
@@ -3683,7 +3683,7 @@
         </p:nvSpPr>
         <p:spPr>
           <a:xfrm>
-            <a:off x="764704" y="7137243"/>
+            <a:off x="793732" y="6207654"/>
             <a:ext cx="1224136" cy="702078"/>
           </a:xfrm>
           <a:prstGeom prst="rect">
@@ -3749,7 +3749,7 @@
         </p:nvSpPr>
         <p:spPr>
           <a:xfrm>
-            <a:off x="5085184" y="7137243"/>
+            <a:off x="5085184" y="6207654"/>
             <a:ext cx="1224136" cy="702078"/>
           </a:xfrm>
           <a:prstGeom prst="rect">
@@ -3818,14 +3818,6 @@
               </a:rPr>
               <a:t>טכנאים</a:t>
             </a:r>
-            <a:endParaRPr lang="he-IL" dirty="0" smtClean="0">
-              <a:solidFill>
-                <a:schemeClr val="accent3">
-                  <a:lumMod val="20000"/>
-                  <a:lumOff val="80000"/>
-                </a:schemeClr>
-              </a:solidFill>
-            </a:endParaRPr>
           </a:p>
         </p:txBody>
       </p:sp>
@@ -3837,7 +3829,7 @@
         </p:nvSpPr>
         <p:spPr>
           <a:xfrm>
-            <a:off x="5085184" y="2417719"/>
+            <a:off x="5085184" y="1851236"/>
             <a:ext cx="1224136" cy="702078"/>
           </a:xfrm>
           <a:prstGeom prst="rect">
@@ -3903,7 +3895,7 @@
         </p:nvSpPr>
         <p:spPr>
           <a:xfrm>
-            <a:off x="764704" y="2017609"/>
+            <a:off x="782836" y="1451127"/>
             <a:ext cx="468052" cy="369332"/>
           </a:xfrm>
           <a:prstGeom prst="rect">
@@ -3948,7 +3940,7 @@
         </p:nvSpPr>
         <p:spPr>
           <a:xfrm>
-            <a:off x="5085184" y="6737134"/>
+            <a:off x="5085184" y="5807545"/>
             <a:ext cx="468052" cy="369332"/>
           </a:xfrm>
           <a:prstGeom prst="rect">
@@ -3983,14 +3975,6 @@
               </a:rPr>
               <a:t>E3</a:t>
             </a:r>
-            <a:endParaRPr lang="en-US" b="1" dirty="0" smtClean="0">
-              <a:solidFill>
-                <a:schemeClr val="accent3">
-                  <a:lumMod val="20000"/>
-                  <a:lumOff val="80000"/>
-                </a:schemeClr>
-              </a:solidFill>
-            </a:endParaRPr>
           </a:p>
         </p:txBody>
       </p:sp>
@@ -4002,7 +3986,7 @@
         </p:nvSpPr>
         <p:spPr>
           <a:xfrm>
-            <a:off x="764704" y="4209086"/>
+            <a:off x="764704" y="3229071"/>
             <a:ext cx="468052" cy="369332"/>
           </a:xfrm>
           <a:prstGeom prst="rect">
@@ -4037,14 +4021,6 @@
               </a:rPr>
               <a:t>E2</a:t>
             </a:r>
-            <a:endParaRPr lang="en-US" b="1" dirty="0" smtClean="0">
-              <a:solidFill>
-                <a:schemeClr val="accent3">
-                  <a:lumMod val="20000"/>
-                  <a:lumOff val="80000"/>
-                </a:schemeClr>
-              </a:solidFill>
-            </a:endParaRPr>
           </a:p>
         </p:txBody>
       </p:sp>
@@ -4056,7 +4032,7 @@
         </p:nvSpPr>
         <p:spPr>
           <a:xfrm>
-            <a:off x="764704" y="6757973"/>
+            <a:off x="793732" y="5838322"/>
             <a:ext cx="468052" cy="369332"/>
           </a:xfrm>
           <a:prstGeom prst="rect">
@@ -4090,14 +4066,6 @@
               </a:rPr>
               <a:t>E3</a:t>
             </a:r>
-            <a:endParaRPr lang="en-US" b="1" dirty="0" smtClean="0">
-              <a:solidFill>
-                <a:schemeClr val="accent3">
-                  <a:lumMod val="20000"/>
-                  <a:lumOff val="80000"/>
-                </a:schemeClr>
-              </a:solidFill>
-            </a:endParaRPr>
           </a:p>
         </p:txBody>
       </p:sp>
@@ -4109,7 +4077,7 @@
         </p:nvSpPr>
         <p:spPr>
           <a:xfrm>
-            <a:off x="5085184" y="2038449"/>
+            <a:off x="5085184" y="1471966"/>
             <a:ext cx="468052" cy="369332"/>
           </a:xfrm>
           <a:prstGeom prst="rect">
@@ -4143,14 +4111,6 @@
               </a:rPr>
               <a:t>E1</a:t>
             </a:r>
-            <a:endParaRPr lang="en-US" b="1" dirty="0" smtClean="0">
-              <a:solidFill>
-                <a:schemeClr val="accent3">
-                  <a:lumMod val="20000"/>
-                  <a:lumOff val="80000"/>
-                </a:schemeClr>
-              </a:solidFill>
-            </a:endParaRPr>
           </a:p>
         </p:txBody>
       </p:sp>
@@ -4186,7 +4146,7 @@
         </p:nvSpPr>
         <p:spPr>
           <a:xfrm>
-            <a:off x="5085184" y="4592960"/>
+            <a:off x="5085184" y="3621946"/>
             <a:ext cx="1224136" cy="702078"/>
           </a:xfrm>
           <a:prstGeom prst="rect">
@@ -4252,7 +4212,7 @@
         </p:nvSpPr>
         <p:spPr>
           <a:xfrm>
-            <a:off x="5085184" y="4209086"/>
+            <a:off x="5085184" y="3238072"/>
             <a:ext cx="468052" cy="369332"/>
           </a:xfrm>
           <a:prstGeom prst="rect">
@@ -4287,14 +4247,6 @@
               </a:rPr>
               <a:t>E2</a:t>
             </a:r>
-            <a:endParaRPr lang="en-US" b="1" dirty="0" smtClean="0">
-              <a:solidFill>
-                <a:schemeClr val="accent3">
-                  <a:lumMod val="20000"/>
-                  <a:lumOff val="80000"/>
-                </a:schemeClr>
-              </a:solidFill>
-            </a:endParaRPr>
           </a:p>
         </p:txBody>
       </p:sp>
@@ -4368,15 +4320,15 @@
         <p:nvCxnSpPr>
           <p:cNvPr id="29" name="מחבר חץ ישר 28"/>
           <p:cNvCxnSpPr>
-            <a:stCxn id="4" idx="6"/>
+            <a:stCxn id="4" idx="7"/>
             <a:endCxn id="28" idx="1"/>
           </p:cNvCxnSpPr>
           <p:nvPr/>
         </p:nvCxnSpPr>
         <p:spPr>
-          <a:xfrm>
-            <a:off x="4314708" y="4943999"/>
-            <a:ext cx="770476" cy="0"/>
+          <a:xfrm flipV="1">
+            <a:off x="4113326" y="3972985"/>
+            <a:ext cx="971858" cy="502150"/>
           </a:xfrm>
           <a:prstGeom prst="straightConnector1">
             <a:avLst/>
@@ -4417,7 +4369,7 @@
         <p:spPr>
           <a:xfrm>
             <a:off x="4113326" y="5412862"/>
-            <a:ext cx="971858" cy="2075420"/>
+            <a:ext cx="971858" cy="1145831"/>
           </a:xfrm>
           <a:prstGeom prst="straightConnector1">
             <a:avLst/>
@@ -4450,15 +4402,15 @@
         <p:nvCxnSpPr>
           <p:cNvPr id="19" name="מחבר חץ ישר 18"/>
           <p:cNvCxnSpPr>
-            <a:stCxn id="4" idx="7"/>
+            <a:stCxn id="4" idx="0"/>
             <a:endCxn id="11" idx="1"/>
           </p:cNvCxnSpPr>
           <p:nvPr/>
         </p:nvCxnSpPr>
         <p:spPr>
           <a:xfrm flipV="1">
-            <a:off x="4113326" y="2768758"/>
-            <a:ext cx="971858" cy="1706377"/>
+            <a:off x="3627147" y="2202275"/>
+            <a:ext cx="1458037" cy="2078650"/>
           </a:xfrm>
           <a:prstGeom prst="straightConnector1">
             <a:avLst/>
@@ -4498,8 +4450,8 @@
         </p:nvCxnSpPr>
         <p:spPr>
           <a:xfrm flipV="1">
-            <a:off x="1988840" y="5412862"/>
-            <a:ext cx="1152128" cy="2075420"/>
+            <a:off x="2017868" y="5412862"/>
+            <a:ext cx="1123100" cy="1145831"/>
           </a:xfrm>
           <a:prstGeom prst="straightConnector1">
             <a:avLst/>
@@ -4532,15 +4484,14 @@
         <p:nvCxnSpPr>
           <p:cNvPr id="15" name="מחבר חץ ישר 14"/>
           <p:cNvCxnSpPr>
-            <a:stCxn id="7" idx="3"/>
-            <a:endCxn id="4" idx="2"/>
+            <a:endCxn id="4" idx="1"/>
           </p:cNvCxnSpPr>
           <p:nvPr/>
         </p:nvCxnSpPr>
         <p:spPr>
-          <a:xfrm flipV="1">
-            <a:off x="2017868" y="4943999"/>
-            <a:ext cx="921718" cy="9001"/>
+          <a:xfrm>
+            <a:off x="2017868" y="3989628"/>
+            <a:ext cx="1123100" cy="485507"/>
           </a:xfrm>
           <a:prstGeom prst="straightConnector1">
             <a:avLst/>
@@ -4573,15 +4524,333 @@
         <p:nvCxnSpPr>
           <p:cNvPr id="13" name="מחבר חץ ישר 12"/>
           <p:cNvCxnSpPr>
-            <a:stCxn id="6" idx="3"/>
-            <a:endCxn id="4" idx="1"/>
+            <a:endCxn id="4" idx="0"/>
           </p:cNvCxnSpPr>
           <p:nvPr/>
         </p:nvCxnSpPr>
         <p:spPr>
           <a:xfrm>
-            <a:off x="1988840" y="2768757"/>
-            <a:ext cx="1152128" cy="1706378"/>
+            <a:off x="2006972" y="2286308"/>
+            <a:ext cx="1620175" cy="1994617"/>
+          </a:xfrm>
+          <a:prstGeom prst="straightConnector1">
+            <a:avLst/>
+          </a:prstGeom>
+          <a:ln>
+            <a:solidFill>
+              <a:schemeClr val="accent3">
+                <a:lumMod val="75000"/>
+              </a:schemeClr>
+            </a:solidFill>
+            <a:tailEnd type="arrow"/>
+          </a:ln>
+        </p:spPr>
+        <p:style>
+          <a:lnRef idx="2">
+            <a:schemeClr val="dk1"/>
+          </a:lnRef>
+          <a:fillRef idx="0">
+            <a:schemeClr val="dk1"/>
+          </a:fillRef>
+          <a:effectRef idx="1">
+            <a:schemeClr val="dk1"/>
+          </a:effectRef>
+          <a:fontRef idx="minor">
+            <a:schemeClr val="tx1"/>
+          </a:fontRef>
+        </p:style>
+      </p:cxnSp>
+      <p:sp>
+        <p:nvSpPr>
+          <p:cNvPr id="24" name="מלבן 5"/>
+          <p:cNvSpPr/>
+          <p:nvPr/>
+        </p:nvSpPr>
+        <p:spPr>
+          <a:xfrm>
+            <a:off x="782836" y="7870117"/>
+            <a:ext cx="1224136" cy="702078"/>
+          </a:xfrm>
+          <a:prstGeom prst="rect">
+            <a:avLst/>
+          </a:prstGeom>
+          <a:solidFill>
+            <a:schemeClr val="accent3"/>
+          </a:solidFill>
+          <a:ln>
+            <a:solidFill>
+              <a:schemeClr val="accent3">
+                <a:lumMod val="75000"/>
+              </a:schemeClr>
+            </a:solidFill>
+          </a:ln>
+        </p:spPr>
+        <p:style>
+          <a:lnRef idx="2">
+            <a:schemeClr val="dk1"/>
+          </a:lnRef>
+          <a:fillRef idx="1">
+            <a:schemeClr val="lt1"/>
+          </a:fillRef>
+          <a:effectRef idx="0">
+            <a:schemeClr val="dk1"/>
+          </a:effectRef>
+          <a:fontRef idx="minor">
+            <a:schemeClr val="dk1"/>
+          </a:fontRef>
+        </p:style>
+        <p:txBody>
+          <a:bodyPr rtlCol="1" anchor="ctr"/>
+          <a:lstStyle/>
+          <a:p>
+            <a:pPr algn="ctr"/>
+            <a:r>
+              <a:rPr lang="he-IL" dirty="0" smtClean="0">
+                <a:solidFill>
+                  <a:schemeClr val="accent3">
+                    <a:lumMod val="20000"/>
+                    <a:lumOff val="80000"/>
+                  </a:schemeClr>
+                </a:solidFill>
+              </a:rPr>
+              <a:t>שחקנים</a:t>
+            </a:r>
+            <a:endParaRPr lang="he-IL" dirty="0">
+              <a:solidFill>
+                <a:schemeClr val="accent3">
+                  <a:lumMod val="20000"/>
+                  <a:lumOff val="80000"/>
+                </a:schemeClr>
+              </a:solidFill>
+            </a:endParaRPr>
+          </a:p>
+        </p:txBody>
+      </p:sp>
+      <p:sp>
+        <p:nvSpPr>
+          <p:cNvPr id="25" name="TextBox 24"/>
+          <p:cNvSpPr txBox="1"/>
+          <p:nvPr/>
+        </p:nvSpPr>
+        <p:spPr>
+          <a:xfrm>
+            <a:off x="782836" y="7475452"/>
+            <a:ext cx="468052" cy="369332"/>
+          </a:xfrm>
+          <a:prstGeom prst="rect">
+            <a:avLst/>
+          </a:prstGeom>
+          <a:solidFill>
+            <a:schemeClr val="accent3"/>
+          </a:solidFill>
+          <a:ln>
+            <a:solidFill>
+              <a:schemeClr val="accent3">
+                <a:lumMod val="75000"/>
+              </a:schemeClr>
+            </a:solidFill>
+          </a:ln>
+        </p:spPr>
+        <p:txBody>
+          <a:bodyPr wrap="square" rtlCol="1">
+            <a:spAutoFit/>
+          </a:bodyPr>
+          <a:lstStyle/>
+          <a:p>
+            <a:r>
+              <a:rPr lang="en-US" b="1" dirty="0" smtClean="0">
+                <a:solidFill>
+                  <a:schemeClr val="accent3">
+                    <a:lumMod val="20000"/>
+                    <a:lumOff val="80000"/>
+                  </a:schemeClr>
+                </a:solidFill>
+              </a:rPr>
+              <a:t>E1</a:t>
+            </a:r>
+          </a:p>
+        </p:txBody>
+      </p:sp>
+      <p:cxnSp>
+        <p:nvCxnSpPr>
+          <p:cNvPr id="26" name="מחבר חץ ישר 12"/>
+          <p:cNvCxnSpPr>
+            <a:stCxn id="24" idx="3"/>
+            <a:endCxn id="4" idx="4"/>
+          </p:cNvCxnSpPr>
+          <p:nvPr/>
+        </p:nvCxnSpPr>
+        <p:spPr>
+          <a:xfrm flipV="1">
+            <a:off x="2006972" y="5607072"/>
+            <a:ext cx="1620175" cy="2614084"/>
+          </a:xfrm>
+          <a:prstGeom prst="straightConnector1">
+            <a:avLst/>
+          </a:prstGeom>
+          <a:ln>
+            <a:solidFill>
+              <a:schemeClr val="accent3">
+                <a:lumMod val="75000"/>
+              </a:schemeClr>
+            </a:solidFill>
+            <a:tailEnd type="arrow"/>
+          </a:ln>
+        </p:spPr>
+        <p:style>
+          <a:lnRef idx="2">
+            <a:schemeClr val="dk1"/>
+          </a:lnRef>
+          <a:fillRef idx="0">
+            <a:schemeClr val="dk1"/>
+          </a:fillRef>
+          <a:effectRef idx="1">
+            <a:schemeClr val="dk1"/>
+          </a:effectRef>
+          <a:fontRef idx="minor">
+            <a:schemeClr val="tx1"/>
+          </a:fontRef>
+        </p:style>
+      </p:cxnSp>
+      <p:sp>
+        <p:nvSpPr>
+          <p:cNvPr id="41" name="מלבן 8"/>
+          <p:cNvSpPr/>
+          <p:nvPr/>
+        </p:nvSpPr>
+        <p:spPr>
+          <a:xfrm>
+            <a:off x="5085184" y="7875561"/>
+            <a:ext cx="1224136" cy="702078"/>
+          </a:xfrm>
+          <a:prstGeom prst="rect">
+            <a:avLst/>
+          </a:prstGeom>
+          <a:solidFill>
+            <a:schemeClr val="accent3"/>
+          </a:solidFill>
+          <a:ln>
+            <a:solidFill>
+              <a:schemeClr val="accent3">
+                <a:lumMod val="75000"/>
+              </a:schemeClr>
+            </a:solidFill>
+          </a:ln>
+        </p:spPr>
+        <p:style>
+          <a:lnRef idx="2">
+            <a:schemeClr val="dk1"/>
+          </a:lnRef>
+          <a:fillRef idx="1">
+            <a:schemeClr val="lt1"/>
+          </a:fillRef>
+          <a:effectRef idx="0">
+            <a:schemeClr val="dk1"/>
+          </a:effectRef>
+          <a:fontRef idx="minor">
+            <a:schemeClr val="dk1"/>
+          </a:fontRef>
+        </p:style>
+        <p:txBody>
+          <a:bodyPr rtlCol="1" anchor="ctr"/>
+          <a:lstStyle/>
+          <a:p>
+            <a:pPr algn="ctr"/>
+            <a:r>
+              <a:rPr lang="he-IL" dirty="0" smtClean="0">
+                <a:solidFill>
+                  <a:schemeClr val="accent3">
+                    <a:lumMod val="20000"/>
+                    <a:lumOff val="80000"/>
+                  </a:schemeClr>
+                </a:solidFill>
+              </a:rPr>
+              <a:t>הזמנות</a:t>
+            </a:r>
+            <a:endParaRPr lang="en-US" dirty="0" smtClean="0">
+              <a:solidFill>
+                <a:schemeClr val="accent3">
+                  <a:lumMod val="20000"/>
+                  <a:lumOff val="80000"/>
+                </a:schemeClr>
+              </a:solidFill>
+            </a:endParaRPr>
+          </a:p>
+          <a:p>
+            <a:pPr algn="ctr"/>
+            <a:r>
+              <a:rPr lang="he-IL" dirty="0" smtClean="0">
+                <a:solidFill>
+                  <a:schemeClr val="accent3">
+                    <a:lumMod val="20000"/>
+                    <a:lumOff val="80000"/>
+                  </a:schemeClr>
+                </a:solidFill>
+              </a:rPr>
+              <a:t>טכנאים</a:t>
+            </a:r>
+          </a:p>
+        </p:txBody>
+      </p:sp>
+      <p:sp>
+        <p:nvSpPr>
+          <p:cNvPr id="42" name="TextBox 41"/>
+          <p:cNvSpPr txBox="1"/>
+          <p:nvPr/>
+        </p:nvSpPr>
+        <p:spPr>
+          <a:xfrm>
+            <a:off x="5085184" y="7475452"/>
+            <a:ext cx="468052" cy="369332"/>
+          </a:xfrm>
+          <a:prstGeom prst="rect">
+            <a:avLst/>
+          </a:prstGeom>
+          <a:solidFill>
+            <a:schemeClr val="accent3"/>
+          </a:solidFill>
+          <a:ln>
+            <a:solidFill>
+              <a:schemeClr val="accent3">
+                <a:lumMod val="75000"/>
+              </a:schemeClr>
+            </a:solidFill>
+          </a:ln>
+        </p:spPr>
+        <p:txBody>
+          <a:bodyPr wrap="square" rtlCol="1">
+            <a:spAutoFit/>
+          </a:bodyPr>
+          <a:lstStyle/>
+          <a:p>
+            <a:pPr algn="ctr"/>
+            <a:r>
+              <a:rPr lang="en-US" b="1" dirty="0" smtClean="0">
+                <a:solidFill>
+                  <a:schemeClr val="accent3">
+                    <a:lumMod val="20000"/>
+                    <a:lumOff val="80000"/>
+                  </a:schemeClr>
+                </a:solidFill>
+              </a:rPr>
+              <a:t>E3</a:t>
+            </a:r>
+          </a:p>
+        </p:txBody>
+      </p:sp>
+      <p:cxnSp>
+        <p:nvCxnSpPr>
+          <p:cNvPr id="43" name="מחבר חץ ישר 22"/>
+          <p:cNvCxnSpPr>
+            <a:stCxn id="4" idx="4"/>
+            <a:endCxn id="41" idx="1"/>
+          </p:cNvCxnSpPr>
+          <p:nvPr/>
+        </p:nvCxnSpPr>
+        <p:spPr>
+          <a:xfrm>
+            <a:off x="3627147" y="5607072"/>
+            <a:ext cx="1458037" cy="2619528"/>
           </a:xfrm>
           <a:prstGeom prst="straightConnector1">
             <a:avLst/>
